--- a/Lectures/Sequencing101.pptx
+++ b/Lectures/Sequencing101.pptx
@@ -5,22 +5,23 @@
     <p:sldMasterId id="2147483648" r:id="rId1"/>
   </p:sldMasterIdLst>
   <p:notesMasterIdLst>
-    <p:notesMasterId r:id="rId12"/>
+    <p:notesMasterId r:id="rId13"/>
   </p:notesMasterIdLst>
   <p:handoutMasterIdLst>
-    <p:handoutMasterId r:id="rId13"/>
+    <p:handoutMasterId r:id="rId14"/>
   </p:handoutMasterIdLst>
   <p:sldIdLst>
     <p:sldId id="256" r:id="rId2"/>
     <p:sldId id="258" r:id="rId3"/>
-    <p:sldId id="272" r:id="rId4"/>
-    <p:sldId id="271" r:id="rId5"/>
-    <p:sldId id="270" r:id="rId6"/>
-    <p:sldId id="273" r:id="rId7"/>
-    <p:sldId id="260" r:id="rId8"/>
-    <p:sldId id="261" r:id="rId9"/>
-    <p:sldId id="262" r:id="rId10"/>
-    <p:sldId id="263" r:id="rId11"/>
+    <p:sldId id="274" r:id="rId4"/>
+    <p:sldId id="272" r:id="rId5"/>
+    <p:sldId id="271" r:id="rId6"/>
+    <p:sldId id="270" r:id="rId7"/>
+    <p:sldId id="273" r:id="rId8"/>
+    <p:sldId id="260" r:id="rId9"/>
+    <p:sldId id="261" r:id="rId10"/>
+    <p:sldId id="262" r:id="rId11"/>
+    <p:sldId id="263" r:id="rId12"/>
   </p:sldIdLst>
   <p:sldSz cx="12192000" cy="6858000"/>
   <p:notesSz cx="6858000" cy="9144000"/>
@@ -4418,6 +4419,297 @@
           <p:cNvPr id="2" name="Title 1">
             <a:extLst>
               <a:ext uri="{FF2B5EF4-FFF2-40B4-BE49-F238E27FC236}">
+                <a16:creationId xmlns:a16="http://schemas.microsoft.com/office/drawing/2014/main" id="{02534534-B31D-3B5D-89DF-AC9DE44ED953}"/>
+              </a:ext>
+            </a:extLst>
+          </p:cNvPr>
+          <p:cNvSpPr>
+            <a:spLocks noGrp="1"/>
+          </p:cNvSpPr>
+          <p:nvPr>
+            <p:ph type="title"/>
+          </p:nvPr>
+        </p:nvSpPr>
+        <p:spPr/>
+        <p:txBody>
+          <a:bodyPr/>
+          <a:lstStyle/>
+          <a:p>
+            <a:r>
+              <a:rPr lang="en-FI" dirty="0"/>
+              <a:t>Multiplexing</a:t>
+            </a:r>
+          </a:p>
+        </p:txBody>
+      </p:sp>
+      <p:sp>
+        <p:nvSpPr>
+          <p:cNvPr id="3" name="Content Placeholder 2">
+            <a:extLst>
+              <a:ext uri="{FF2B5EF4-FFF2-40B4-BE49-F238E27FC236}">
+                <a16:creationId xmlns:a16="http://schemas.microsoft.com/office/drawing/2014/main" id="{1E3E7291-6C25-212F-E5BB-EFFDA4D153C1}"/>
+              </a:ext>
+            </a:extLst>
+          </p:cNvPr>
+          <p:cNvSpPr>
+            <a:spLocks noGrp="1"/>
+          </p:cNvSpPr>
+          <p:nvPr>
+            <p:ph sz="half" idx="1"/>
+          </p:nvPr>
+        </p:nvSpPr>
+        <p:spPr/>
+        <p:txBody>
+          <a:bodyPr>
+            <a:normAutofit fontScale="92500" lnSpcReduction="10000"/>
+          </a:bodyPr>
+          <a:lstStyle/>
+          <a:p>
+            <a:r>
+              <a:rPr lang="en-FI" dirty="0"/>
+              <a:t>Each sample will get unique barcode (24 nt)</a:t>
+            </a:r>
+          </a:p>
+          <a:p>
+            <a:r>
+              <a:rPr lang="en-FI" dirty="0"/>
+              <a:t>24/96 barcodes </a:t>
+            </a:r>
+          </a:p>
+          <a:p>
+            <a:r>
+              <a:rPr lang="en-FI" dirty="0"/>
+              <a:t>Sample1:</a:t>
+            </a:r>
+          </a:p>
+          <a:p>
+            <a:pPr marL="457200" lvl="1" indent="0">
+              <a:buNone/>
+            </a:pPr>
+            <a:r>
+              <a:rPr lang="en-GB" sz="1800" b="1" dirty="0">
+                <a:effectLst/>
+                <a:latin typeface="Courier New" panose="02070309020205020404" pitchFamily="49" charset="0"/>
+                <a:cs typeface="Courier New" panose="02070309020205020404" pitchFamily="49" charset="0"/>
+              </a:rPr>
+              <a:t>AAGAAAGTTGTCGGTGTCTTTGTG </a:t>
+            </a:r>
+            <a:r>
+              <a:rPr lang="en-FI" dirty="0"/>
+              <a:t> </a:t>
+            </a:r>
+          </a:p>
+          <a:p>
+            <a:r>
+              <a:rPr lang="en-FI" dirty="0"/>
+              <a:t>Sample 2:</a:t>
+            </a:r>
+          </a:p>
+          <a:p>
+            <a:pPr marL="457200" lvl="1" indent="0">
+              <a:buNone/>
+            </a:pPr>
+            <a:r>
+              <a:rPr lang="en-GB" sz="1800" b="1" dirty="0">
+                <a:effectLst/>
+                <a:latin typeface="Courier New" panose="02070309020205020404" pitchFamily="49" charset="0"/>
+                <a:cs typeface="Courier New" panose="02070309020205020404" pitchFamily="49" charset="0"/>
+              </a:rPr>
+              <a:t>TCGATTCCGTTTGTAGTCGTCTGT</a:t>
+            </a:r>
+            <a:r>
+              <a:rPr lang="en-GB" sz="1800" dirty="0">
+                <a:effectLst/>
+                <a:latin typeface="DejaVuSans"/>
+              </a:rPr>
+              <a:t> </a:t>
+            </a:r>
+            <a:endParaRPr lang="en-GB" dirty="0">
+              <a:effectLst/>
+            </a:endParaRPr>
+          </a:p>
+          <a:p>
+            <a:pPr marL="0" indent="0">
+              <a:buNone/>
+            </a:pPr>
+            <a:r>
+              <a:rPr lang="en-FI"/>
+              <a:t>  ...</a:t>
+            </a:r>
+            <a:endParaRPr lang="en-FI" dirty="0"/>
+          </a:p>
+          <a:p>
+            <a:r>
+              <a:rPr lang="en-FI" dirty="0"/>
+              <a:t>Demultiplexing:</a:t>
+            </a:r>
+          </a:p>
+          <a:p>
+            <a:pPr lvl="1"/>
+            <a:r>
+              <a:rPr lang="en-FI" dirty="0"/>
+              <a:t>Reads will be divided based on the barcode sequence</a:t>
+            </a:r>
+          </a:p>
+        </p:txBody>
+      </p:sp>
+      <p:pic>
+        <p:nvPicPr>
+          <p:cNvPr id="9" name="Content Placeholder 8">
+            <a:extLst>
+              <a:ext uri="{FF2B5EF4-FFF2-40B4-BE49-F238E27FC236}">
+                <a16:creationId xmlns:a16="http://schemas.microsoft.com/office/drawing/2014/main" id="{BB26BE80-FF3E-BA06-60DF-51233B4A8D5D}"/>
+              </a:ext>
+            </a:extLst>
+          </p:cNvPr>
+          <p:cNvPicPr>
+            <a:picLocks noGrp="1" noChangeAspect="1"/>
+          </p:cNvPicPr>
+          <p:nvPr>
+            <p:ph sz="half" idx="2"/>
+          </p:nvPr>
+        </p:nvPicPr>
+        <p:blipFill>
+          <a:blip r:embed="rId2">
+            <a:extLst>
+              <a:ext uri="{96DAC541-7B7A-43D3-8B79-37D633B846F1}">
+                <asvg:svgBlip xmlns:asvg="http://schemas.microsoft.com/office/drawing/2016/SVG/main" r:embed="rId3"/>
+              </a:ext>
+            </a:extLst>
+          </a:blip>
+          <a:stretch>
+            <a:fillRect/>
+          </a:stretch>
+        </p:blipFill>
+        <p:spPr>
+          <a:xfrm>
+            <a:off x="6426200" y="1893094"/>
+            <a:ext cx="4673600" cy="4216400"/>
+          </a:xfrm>
+        </p:spPr>
+      </p:pic>
+      <p:sp>
+        <p:nvSpPr>
+          <p:cNvPr id="4" name="Date Placeholder 3">
+            <a:extLst>
+              <a:ext uri="{FF2B5EF4-FFF2-40B4-BE49-F238E27FC236}">
+                <a16:creationId xmlns:a16="http://schemas.microsoft.com/office/drawing/2014/main" id="{2D6D74E2-53DD-A212-F354-BB9C58F93E02}"/>
+              </a:ext>
+            </a:extLst>
+          </p:cNvPr>
+          <p:cNvSpPr>
+            <a:spLocks noGrp="1"/>
+          </p:cNvSpPr>
+          <p:nvPr>
+            <p:ph type="dt" sz="half" idx="10"/>
+          </p:nvPr>
+        </p:nvSpPr>
+        <p:spPr/>
+        <p:txBody>
+          <a:bodyPr/>
+          <a:lstStyle/>
+          <a:p>
+            <a:fld id="{07A4A1CE-A8C9-E942-807B-ECD0C75DD8B0}" type="datetime1">
+              <a:rPr lang="fi-FI" smtClean="0"/>
+              <a:t>4.2.2024</a:t>
+            </a:fld>
+            <a:endParaRPr lang="en-FI"/>
+          </a:p>
+        </p:txBody>
+      </p:sp>
+      <p:sp>
+        <p:nvSpPr>
+          <p:cNvPr id="5" name="Footer Placeholder 4">
+            <a:extLst>
+              <a:ext uri="{FF2B5EF4-FFF2-40B4-BE49-F238E27FC236}">
+                <a16:creationId xmlns:a16="http://schemas.microsoft.com/office/drawing/2014/main" id="{70E87E28-056B-8CFB-8394-A2AFAF7AEF71}"/>
+              </a:ext>
+            </a:extLst>
+          </p:cNvPr>
+          <p:cNvSpPr>
+            <a:spLocks noGrp="1"/>
+          </p:cNvSpPr>
+          <p:nvPr>
+            <p:ph type="ftr" sz="quarter" idx="11"/>
+          </p:nvPr>
+        </p:nvSpPr>
+        <p:spPr/>
+        <p:txBody>
+          <a:bodyPr/>
+          <a:lstStyle/>
+          <a:p>
+            <a:r>
+              <a:rPr lang="en-GB"/>
+              <a:t>MBDP-105 | Antti Karkman</a:t>
+            </a:r>
+            <a:endParaRPr lang="en-FI" dirty="0"/>
+          </a:p>
+        </p:txBody>
+      </p:sp>
+      <p:sp>
+        <p:nvSpPr>
+          <p:cNvPr id="6" name="Slide Number Placeholder 5">
+            <a:extLst>
+              <a:ext uri="{FF2B5EF4-FFF2-40B4-BE49-F238E27FC236}">
+                <a16:creationId xmlns:a16="http://schemas.microsoft.com/office/drawing/2014/main" id="{489728C5-97E1-BABA-E016-3C8F91BA8FBA}"/>
+              </a:ext>
+            </a:extLst>
+          </p:cNvPr>
+          <p:cNvSpPr>
+            <a:spLocks noGrp="1"/>
+          </p:cNvSpPr>
+          <p:nvPr>
+            <p:ph type="sldNum" sz="quarter" idx="12"/>
+          </p:nvPr>
+        </p:nvSpPr>
+        <p:spPr/>
+        <p:txBody>
+          <a:bodyPr/>
+          <a:lstStyle/>
+          <a:p>
+            <a:fld id="{530408D4-39E5-994C-AC86-F2DF2F6A1E1A}" type="slidenum">
+              <a:rPr lang="en-FI" smtClean="0"/>
+              <a:t>10</a:t>
+            </a:fld>
+            <a:endParaRPr lang="en-FI"/>
+          </a:p>
+        </p:txBody>
+      </p:sp>
+    </p:spTree>
+    <p:extLst>
+      <p:ext uri="{BB962C8B-B14F-4D97-AF65-F5344CB8AC3E}">
+        <p14:creationId xmlns:p14="http://schemas.microsoft.com/office/powerpoint/2010/main" val="3656174549"/>
+      </p:ext>
+    </p:extLst>
+  </p:cSld>
+  <p:clrMapOvr>
+    <a:masterClrMapping/>
+  </p:clrMapOvr>
+</p:sld>
+</file>
+
+<file path=ppt/slides/slide11.xml><?xml version="1.0" encoding="utf-8"?>
+<p:sld xmlns:a="http://schemas.openxmlformats.org/drawingml/2006/main" xmlns:r="http://schemas.openxmlformats.org/officeDocument/2006/relationships" xmlns:p="http://schemas.openxmlformats.org/presentationml/2006/main">
+  <p:cSld>
+    <p:spTree>
+      <p:nvGrpSpPr>
+        <p:cNvPr id="1" name=""/>
+        <p:cNvGrpSpPr/>
+        <p:nvPr/>
+      </p:nvGrpSpPr>
+      <p:grpSpPr>
+        <a:xfrm>
+          <a:off x="0" y="0"/>
+          <a:ext cx="0" cy="0"/>
+          <a:chOff x="0" y="0"/>
+          <a:chExt cx="0" cy="0"/>
+        </a:xfrm>
+      </p:grpSpPr>
+      <p:sp>
+        <p:nvSpPr>
+          <p:cNvPr id="2" name="Title 1">
+            <a:extLst>
+              <a:ext uri="{FF2B5EF4-FFF2-40B4-BE49-F238E27FC236}">
                 <a16:creationId xmlns:a16="http://schemas.microsoft.com/office/drawing/2014/main" id="{A3F03F41-3E91-54E5-16DA-0204E12FB3C5}"/>
               </a:ext>
             </a:extLst>
@@ -4551,7 +4843,7 @@
           <a:p>
             <a:fld id="{530408D4-39E5-994C-AC86-F2DF2F6A1E1A}" type="slidenum">
               <a:rPr lang="en-FI" smtClean="0"/>
-              <a:t>10</a:t>
+              <a:t>11</a:t>
             </a:fld>
             <a:endParaRPr lang="en-FI"/>
           </a:p>
@@ -5100,12 +5392,59 @@
           <a:chExt cx="0" cy="0"/>
         </a:xfrm>
       </p:grpSpPr>
-      <p:sp>
-        <p:nvSpPr>
-          <p:cNvPr id="7" name="Title 6">
-            <a:extLst>
-              <a:ext uri="{FF2B5EF4-FFF2-40B4-BE49-F238E27FC236}">
-                <a16:creationId xmlns:a16="http://schemas.microsoft.com/office/drawing/2014/main" id="{1A0FC86C-AC32-5C37-6FFA-169A10EEA3CA}"/>
+      <p:pic>
+        <p:nvPicPr>
+          <p:cNvPr id="7" name="Picture 2" descr="evolution of sequencing technology - PacBio">
+            <a:extLst>
+              <a:ext uri="{FF2B5EF4-FFF2-40B4-BE49-F238E27FC236}">
+                <a16:creationId xmlns:a16="http://schemas.microsoft.com/office/drawing/2014/main" id="{2EDA6D76-1ACC-2DC9-3F2B-4B9B0EF9B6F0}"/>
+              </a:ext>
+            </a:extLst>
+          </p:cNvPr>
+          <p:cNvPicPr>
+            <a:picLocks noChangeAspect="1" noChangeArrowheads="1"/>
+          </p:cNvPicPr>
+          <p:nvPr/>
+        </p:nvPicPr>
+        <p:blipFill>
+          <a:blip r:embed="rId2">
+            <a:extLst>
+              <a:ext uri="{28A0092B-C50C-407E-A947-70E740481C1C}">
+                <a14:useLocalDpi xmlns:a14="http://schemas.microsoft.com/office/drawing/2010/main" val="0"/>
+              </a:ext>
+            </a:extLst>
+          </a:blip>
+          <a:srcRect/>
+          <a:stretch>
+            <a:fillRect/>
+          </a:stretch>
+        </p:blipFill>
+        <p:spPr bwMode="auto">
+          <a:xfrm>
+            <a:off x="2717496" y="3321366"/>
+            <a:ext cx="6757008" cy="3173213"/>
+          </a:xfrm>
+          <a:prstGeom prst="rect">
+            <a:avLst/>
+          </a:prstGeom>
+          <a:noFill/>
+          <a:extLst>
+            <a:ext uri="{909E8E84-426E-40DD-AFC4-6F175D3DCCD1}">
+              <a14:hiddenFill xmlns:a14="http://schemas.microsoft.com/office/drawing/2010/main">
+                <a:solidFill>
+                  <a:srgbClr val="FFFFFF"/>
+                </a:solidFill>
+              </a14:hiddenFill>
+            </a:ext>
+          </a:extLst>
+        </p:spPr>
+      </p:pic>
+      <p:sp>
+        <p:nvSpPr>
+          <p:cNvPr id="2" name="Title 1">
+            <a:extLst>
+              <a:ext uri="{FF2B5EF4-FFF2-40B4-BE49-F238E27FC236}">
+                <a16:creationId xmlns:a16="http://schemas.microsoft.com/office/drawing/2014/main" id="{4104F9B0-20CF-34B2-B358-3089D26D8A19}"/>
               </a:ext>
             </a:extLst>
           </p:cNvPr>
@@ -5123,25 +5462,25 @@
           <a:p>
             <a:r>
               <a:rPr lang="en-FI" dirty="0"/>
-              <a:t>Short-read sequencing</a:t>
-            </a:r>
-          </a:p>
-        </p:txBody>
-      </p:sp>
-      <p:sp>
-        <p:nvSpPr>
-          <p:cNvPr id="8" name="Text Placeholder 7">
-            <a:extLst>
-              <a:ext uri="{FF2B5EF4-FFF2-40B4-BE49-F238E27FC236}">
-                <a16:creationId xmlns:a16="http://schemas.microsoft.com/office/drawing/2014/main" id="{0236CB83-1D3A-810D-C969-7BE99961A690}"/>
-              </a:ext>
-            </a:extLst>
-          </p:cNvPr>
-          <p:cNvSpPr>
-            <a:spLocks noGrp="1"/>
-          </p:cNvSpPr>
-          <p:nvPr>
-            <p:ph type="body" idx="1"/>
+              <a:t>Short group discussion</a:t>
+            </a:r>
+          </a:p>
+        </p:txBody>
+      </p:sp>
+      <p:sp>
+        <p:nvSpPr>
+          <p:cNvPr id="3" name="Content Placeholder 2">
+            <a:extLst>
+              <a:ext uri="{FF2B5EF4-FFF2-40B4-BE49-F238E27FC236}">
+                <a16:creationId xmlns:a16="http://schemas.microsoft.com/office/drawing/2014/main" id="{B777FE9C-3706-E258-89CE-D92EB5A8FC39}"/>
+              </a:ext>
+            </a:extLst>
+          </p:cNvPr>
+          <p:cNvSpPr>
+            <a:spLocks noGrp="1"/>
+          </p:cNvSpPr>
+          <p:nvPr>
+            <p:ph idx="1"/>
           </p:nvPr>
         </p:nvSpPr>
         <p:spPr/>
@@ -5151,7 +5490,21 @@
           <a:p>
             <a:r>
               <a:rPr lang="en-FI" dirty="0"/>
-              <a:t>Illumina</a:t>
+              <a:t>Discuss in groups of 4-6</a:t>
+            </a:r>
+          </a:p>
+          <a:p>
+            <a:r>
+              <a:rPr lang="en-FI" b="1" dirty="0"/>
+              <a:t>What are the pros and cons (1–3</a:t>
+            </a:r>
+            <a:r>
+              <a:rPr lang="en-FI" b="1"/>
+              <a:t>) of the different </a:t>
+            </a:r>
+            <a:r>
+              <a:rPr lang="en-FI" b="1" dirty="0"/>
+              <a:t>sequencing technologies for whole genome sequencing?</a:t>
             </a:r>
           </a:p>
         </p:txBody>
@@ -5161,7 +5514,7 @@
           <p:cNvPr id="4" name="Date Placeholder 3">
             <a:extLst>
               <a:ext uri="{FF2B5EF4-FFF2-40B4-BE49-F238E27FC236}">
-                <a16:creationId xmlns:a16="http://schemas.microsoft.com/office/drawing/2014/main" id="{EAD7DE07-CD37-07B8-16D7-DC78F3EB781E}"/>
+                <a16:creationId xmlns:a16="http://schemas.microsoft.com/office/drawing/2014/main" id="{43732A9A-6A44-09C6-6BE0-18E3ABCF7BC4}"/>
               </a:ext>
             </a:extLst>
           </p:cNvPr>
@@ -5177,9 +5530,9 @@
           <a:bodyPr/>
           <a:lstStyle/>
           <a:p>
-            <a:fld id="{C5FC7F17-068E-2646-A2FD-D0D1780A67D1}" type="datetime1">
+            <a:fld id="{48CFA018-34F1-D841-8EB3-FFB3CEB3E438}" type="datetime1">
               <a:rPr lang="fi-FI" smtClean="0"/>
-              <a:t>4.2.2024</a:t>
+              <a:t>5.2.2024</a:t>
             </a:fld>
             <a:endParaRPr lang="en-FI"/>
           </a:p>
@@ -5190,7 +5543,7 @@
           <p:cNvPr id="5" name="Footer Placeholder 4">
             <a:extLst>
               <a:ext uri="{FF2B5EF4-FFF2-40B4-BE49-F238E27FC236}">
-                <a16:creationId xmlns:a16="http://schemas.microsoft.com/office/drawing/2014/main" id="{8A5069FD-D849-D07B-210C-D89BF88CD741}"/>
+                <a16:creationId xmlns:a16="http://schemas.microsoft.com/office/drawing/2014/main" id="{FD5BC0FD-7D2E-5F45-2809-0987D5D99150}"/>
               </a:ext>
             </a:extLst>
           </p:cNvPr>
@@ -5219,7 +5572,7 @@
           <p:cNvPr id="6" name="Slide Number Placeholder 5">
             <a:extLst>
               <a:ext uri="{FF2B5EF4-FFF2-40B4-BE49-F238E27FC236}">
-                <a16:creationId xmlns:a16="http://schemas.microsoft.com/office/drawing/2014/main" id="{E9670160-702F-110A-6089-AFC79B622722}"/>
+                <a16:creationId xmlns:a16="http://schemas.microsoft.com/office/drawing/2014/main" id="{7B99F2F1-3B4D-41D8-E60F-1BBFC16E18D6}"/>
               </a:ext>
             </a:extLst>
           </p:cNvPr>
@@ -5246,7 +5599,7 @@
     </p:spTree>
     <p:extLst>
       <p:ext uri="{BB962C8B-B14F-4D97-AF65-F5344CB8AC3E}">
-        <p14:creationId xmlns:p14="http://schemas.microsoft.com/office/powerpoint/2010/main" val="4259513519"/>
+        <p14:creationId xmlns:p14="http://schemas.microsoft.com/office/powerpoint/2010/main" val="1024512465"/>
       </p:ext>
     </p:extLst>
   </p:cSld>
@@ -5275,6 +5628,179 @@
       </p:grpSpPr>
       <p:sp>
         <p:nvSpPr>
+          <p:cNvPr id="7" name="Title 6">
+            <a:extLst>
+              <a:ext uri="{FF2B5EF4-FFF2-40B4-BE49-F238E27FC236}">
+                <a16:creationId xmlns:a16="http://schemas.microsoft.com/office/drawing/2014/main" id="{1A0FC86C-AC32-5C37-6FFA-169A10EEA3CA}"/>
+              </a:ext>
+            </a:extLst>
+          </p:cNvPr>
+          <p:cNvSpPr>
+            <a:spLocks noGrp="1"/>
+          </p:cNvSpPr>
+          <p:nvPr>
+            <p:ph type="title"/>
+          </p:nvPr>
+        </p:nvSpPr>
+        <p:spPr/>
+        <p:txBody>
+          <a:bodyPr/>
+          <a:lstStyle/>
+          <a:p>
+            <a:r>
+              <a:rPr lang="en-FI" dirty="0"/>
+              <a:t>Short-read sequencing</a:t>
+            </a:r>
+          </a:p>
+        </p:txBody>
+      </p:sp>
+      <p:sp>
+        <p:nvSpPr>
+          <p:cNvPr id="8" name="Text Placeholder 7">
+            <a:extLst>
+              <a:ext uri="{FF2B5EF4-FFF2-40B4-BE49-F238E27FC236}">
+                <a16:creationId xmlns:a16="http://schemas.microsoft.com/office/drawing/2014/main" id="{0236CB83-1D3A-810D-C969-7BE99961A690}"/>
+              </a:ext>
+            </a:extLst>
+          </p:cNvPr>
+          <p:cNvSpPr>
+            <a:spLocks noGrp="1"/>
+          </p:cNvSpPr>
+          <p:nvPr>
+            <p:ph type="body" idx="1"/>
+          </p:nvPr>
+        </p:nvSpPr>
+        <p:spPr/>
+        <p:txBody>
+          <a:bodyPr/>
+          <a:lstStyle/>
+          <a:p>
+            <a:r>
+              <a:rPr lang="en-FI" dirty="0"/>
+              <a:t>Illumina</a:t>
+            </a:r>
+          </a:p>
+        </p:txBody>
+      </p:sp>
+      <p:sp>
+        <p:nvSpPr>
+          <p:cNvPr id="4" name="Date Placeholder 3">
+            <a:extLst>
+              <a:ext uri="{FF2B5EF4-FFF2-40B4-BE49-F238E27FC236}">
+                <a16:creationId xmlns:a16="http://schemas.microsoft.com/office/drawing/2014/main" id="{EAD7DE07-CD37-07B8-16D7-DC78F3EB781E}"/>
+              </a:ext>
+            </a:extLst>
+          </p:cNvPr>
+          <p:cNvSpPr>
+            <a:spLocks noGrp="1"/>
+          </p:cNvSpPr>
+          <p:nvPr>
+            <p:ph type="dt" sz="half" idx="10"/>
+          </p:nvPr>
+        </p:nvSpPr>
+        <p:spPr/>
+        <p:txBody>
+          <a:bodyPr/>
+          <a:lstStyle/>
+          <a:p>
+            <a:fld id="{C5FC7F17-068E-2646-A2FD-D0D1780A67D1}" type="datetime1">
+              <a:rPr lang="fi-FI" smtClean="0"/>
+              <a:t>4.2.2024</a:t>
+            </a:fld>
+            <a:endParaRPr lang="en-FI"/>
+          </a:p>
+        </p:txBody>
+      </p:sp>
+      <p:sp>
+        <p:nvSpPr>
+          <p:cNvPr id="5" name="Footer Placeholder 4">
+            <a:extLst>
+              <a:ext uri="{FF2B5EF4-FFF2-40B4-BE49-F238E27FC236}">
+                <a16:creationId xmlns:a16="http://schemas.microsoft.com/office/drawing/2014/main" id="{8A5069FD-D849-D07B-210C-D89BF88CD741}"/>
+              </a:ext>
+            </a:extLst>
+          </p:cNvPr>
+          <p:cNvSpPr>
+            <a:spLocks noGrp="1"/>
+          </p:cNvSpPr>
+          <p:nvPr>
+            <p:ph type="ftr" sz="quarter" idx="11"/>
+          </p:nvPr>
+        </p:nvSpPr>
+        <p:spPr/>
+        <p:txBody>
+          <a:bodyPr/>
+          <a:lstStyle/>
+          <a:p>
+            <a:r>
+              <a:rPr lang="en-GB"/>
+              <a:t>MBDP-105 | Antti Karkman</a:t>
+            </a:r>
+            <a:endParaRPr lang="en-FI" dirty="0"/>
+          </a:p>
+        </p:txBody>
+      </p:sp>
+      <p:sp>
+        <p:nvSpPr>
+          <p:cNvPr id="6" name="Slide Number Placeholder 5">
+            <a:extLst>
+              <a:ext uri="{FF2B5EF4-FFF2-40B4-BE49-F238E27FC236}">
+                <a16:creationId xmlns:a16="http://schemas.microsoft.com/office/drawing/2014/main" id="{E9670160-702F-110A-6089-AFC79B622722}"/>
+              </a:ext>
+            </a:extLst>
+          </p:cNvPr>
+          <p:cNvSpPr>
+            <a:spLocks noGrp="1"/>
+          </p:cNvSpPr>
+          <p:nvPr>
+            <p:ph type="sldNum" sz="quarter" idx="12"/>
+          </p:nvPr>
+        </p:nvSpPr>
+        <p:spPr/>
+        <p:txBody>
+          <a:bodyPr/>
+          <a:lstStyle/>
+          <a:p>
+            <a:fld id="{530408D4-39E5-994C-AC86-F2DF2F6A1E1A}" type="slidenum">
+              <a:rPr lang="en-FI" smtClean="0"/>
+              <a:t>4</a:t>
+            </a:fld>
+            <a:endParaRPr lang="en-FI"/>
+          </a:p>
+        </p:txBody>
+      </p:sp>
+    </p:spTree>
+    <p:extLst>
+      <p:ext uri="{BB962C8B-B14F-4D97-AF65-F5344CB8AC3E}">
+        <p14:creationId xmlns:p14="http://schemas.microsoft.com/office/powerpoint/2010/main" val="4259513519"/>
+      </p:ext>
+    </p:extLst>
+  </p:cSld>
+  <p:clrMapOvr>
+    <a:masterClrMapping/>
+  </p:clrMapOvr>
+</p:sld>
+</file>
+
+<file path=ppt/slides/slide5.xml><?xml version="1.0" encoding="utf-8"?>
+<p:sld xmlns:a="http://schemas.openxmlformats.org/drawingml/2006/main" xmlns:r="http://schemas.openxmlformats.org/officeDocument/2006/relationships" xmlns:p="http://schemas.openxmlformats.org/presentationml/2006/main">
+  <p:cSld>
+    <p:spTree>
+      <p:nvGrpSpPr>
+        <p:cNvPr id="1" name=""/>
+        <p:cNvGrpSpPr/>
+        <p:nvPr/>
+      </p:nvGrpSpPr>
+      <p:grpSpPr>
+        <a:xfrm>
+          <a:off x="0" y="0"/>
+          <a:ext cx="0" cy="0"/>
+          <a:chOff x="0" y="0"/>
+          <a:chExt cx="0" cy="0"/>
+        </a:xfrm>
+      </p:grpSpPr>
+      <p:sp>
+        <p:nvSpPr>
           <p:cNvPr id="2" name="Title 1">
             <a:extLst>
               <a:ext uri="{FF2B5EF4-FFF2-40B4-BE49-F238E27FC236}">
@@ -5490,7 +6016,7 @@
           <a:p>
             <a:fld id="{530408D4-39E5-994C-AC86-F2DF2F6A1E1A}" type="slidenum">
               <a:rPr lang="en-FI" smtClean="0"/>
-              <a:t>4</a:t>
+              <a:t>5</a:t>
             </a:fld>
             <a:endParaRPr lang="en-FI"/>
           </a:p>
@@ -5590,7 +6116,7 @@
 </p:sld>
 </file>
 
-<file path=ppt/slides/slide5.xml><?xml version="1.0" encoding="utf-8"?>
+<file path=ppt/slides/slide6.xml><?xml version="1.0" encoding="utf-8"?>
 <p:sld xmlns:a="http://schemas.openxmlformats.org/drawingml/2006/main" xmlns:r="http://schemas.openxmlformats.org/officeDocument/2006/relationships" xmlns:p="http://schemas.openxmlformats.org/presentationml/2006/main">
   <p:cSld>
     <p:spTree>
@@ -5684,7 +6210,7 @@
               <a:solidFill>
                 <a:srgbClr val="0563C1"/>
               </a:solidFill>
-              <a:hlinkClick r:id="rId3">
+              <a:hlinkClick r:id="">
                 <a:extLst>
                   <a:ext uri="{A12FA001-AC4F-418D-AE19-62706E023703}">
                     <ahyp:hlinkClr xmlns:ahyp="http://schemas.microsoft.com/office/drawing/2018/hyperlinkcolor" val="tx"/>
@@ -5701,7 +6227,7 @@
               <a:solidFill>
                 <a:srgbClr val="0563C1"/>
               </a:solidFill>
-              <a:hlinkClick r:id="rId3">
+              <a:hlinkClick r:id="">
                 <a:extLst>
                   <a:ext uri="{A12FA001-AC4F-418D-AE19-62706E023703}">
                     <ahyp:hlinkClr xmlns:ahyp="http://schemas.microsoft.com/office/drawing/2018/hyperlinkcolor" val="tx"/>
@@ -5731,7 +6257,7 @@
           </p:nvPr>
         </p:nvPicPr>
         <p:blipFill>
-          <a:blip r:embed="rId4"/>
+          <a:blip r:embed="rId3"/>
           <a:stretch>
             <a:fillRect/>
           </a:stretch>
@@ -5827,7 +6353,7 @@
           <a:p>
             <a:fld id="{530408D4-39E5-994C-AC86-F2DF2F6A1E1A}" type="slidenum">
               <a:rPr lang="en-FI" smtClean="0"/>
-              <a:t>5</a:t>
+              <a:t>6</a:t>
             </a:fld>
             <a:endParaRPr lang="en-FI"/>
           </a:p>
@@ -6022,179 +6548,6 @@
 </p:sld>
 </file>
 
-<file path=ppt/slides/slide6.xml><?xml version="1.0" encoding="utf-8"?>
-<p:sld xmlns:a="http://schemas.openxmlformats.org/drawingml/2006/main" xmlns:r="http://schemas.openxmlformats.org/officeDocument/2006/relationships" xmlns:p="http://schemas.openxmlformats.org/presentationml/2006/main">
-  <p:cSld>
-    <p:spTree>
-      <p:nvGrpSpPr>
-        <p:cNvPr id="1" name=""/>
-        <p:cNvGrpSpPr/>
-        <p:nvPr/>
-      </p:nvGrpSpPr>
-      <p:grpSpPr>
-        <a:xfrm>
-          <a:off x="0" y="0"/>
-          <a:ext cx="0" cy="0"/>
-          <a:chOff x="0" y="0"/>
-          <a:chExt cx="0" cy="0"/>
-        </a:xfrm>
-      </p:grpSpPr>
-      <p:sp>
-        <p:nvSpPr>
-          <p:cNvPr id="8" name="Title 7">
-            <a:extLst>
-              <a:ext uri="{FF2B5EF4-FFF2-40B4-BE49-F238E27FC236}">
-                <a16:creationId xmlns:a16="http://schemas.microsoft.com/office/drawing/2014/main" id="{5AF2ACD1-2F3D-B4FB-A83D-269F0B13BABE}"/>
-              </a:ext>
-            </a:extLst>
-          </p:cNvPr>
-          <p:cNvSpPr>
-            <a:spLocks noGrp="1"/>
-          </p:cNvSpPr>
-          <p:nvPr>
-            <p:ph type="title"/>
-          </p:nvPr>
-        </p:nvSpPr>
-        <p:spPr/>
-        <p:txBody>
-          <a:bodyPr/>
-          <a:lstStyle/>
-          <a:p>
-            <a:r>
-              <a:rPr lang="en-FI" dirty="0"/>
-              <a:t>Long-read sequencing</a:t>
-            </a:r>
-          </a:p>
-        </p:txBody>
-      </p:sp>
-      <p:sp>
-        <p:nvSpPr>
-          <p:cNvPr id="9" name="Text Placeholder 8">
-            <a:extLst>
-              <a:ext uri="{FF2B5EF4-FFF2-40B4-BE49-F238E27FC236}">
-                <a16:creationId xmlns:a16="http://schemas.microsoft.com/office/drawing/2014/main" id="{43F0E739-DED1-C6BB-808D-87EAB38CA6FE}"/>
-              </a:ext>
-            </a:extLst>
-          </p:cNvPr>
-          <p:cNvSpPr>
-            <a:spLocks noGrp="1"/>
-          </p:cNvSpPr>
-          <p:nvPr>
-            <p:ph type="body" idx="1"/>
-          </p:nvPr>
-        </p:nvSpPr>
-        <p:spPr/>
-        <p:txBody>
-          <a:bodyPr/>
-          <a:lstStyle/>
-          <a:p>
-            <a:r>
-              <a:rPr lang="en-FI" dirty="0"/>
-              <a:t>Nanopore</a:t>
-            </a:r>
-          </a:p>
-        </p:txBody>
-      </p:sp>
-      <p:sp>
-        <p:nvSpPr>
-          <p:cNvPr id="5" name="Date Placeholder 4">
-            <a:extLst>
-              <a:ext uri="{FF2B5EF4-FFF2-40B4-BE49-F238E27FC236}">
-                <a16:creationId xmlns:a16="http://schemas.microsoft.com/office/drawing/2014/main" id="{549C79A0-3EA3-8E44-85B1-92DB718EE2C2}"/>
-              </a:ext>
-            </a:extLst>
-          </p:cNvPr>
-          <p:cNvSpPr>
-            <a:spLocks noGrp="1"/>
-          </p:cNvSpPr>
-          <p:nvPr>
-            <p:ph type="dt" sz="half" idx="10"/>
-          </p:nvPr>
-        </p:nvSpPr>
-        <p:spPr/>
-        <p:txBody>
-          <a:bodyPr/>
-          <a:lstStyle/>
-          <a:p>
-            <a:fld id="{7AC33BA2-1259-2246-99BD-5B834BE3FEAC}" type="datetime1">
-              <a:rPr lang="fi-FI" smtClean="0"/>
-              <a:t>4.2.2024</a:t>
-            </a:fld>
-            <a:endParaRPr lang="en-FI"/>
-          </a:p>
-        </p:txBody>
-      </p:sp>
-      <p:sp>
-        <p:nvSpPr>
-          <p:cNvPr id="6" name="Footer Placeholder 5">
-            <a:extLst>
-              <a:ext uri="{FF2B5EF4-FFF2-40B4-BE49-F238E27FC236}">
-                <a16:creationId xmlns:a16="http://schemas.microsoft.com/office/drawing/2014/main" id="{B4648597-4E6B-7A61-6AD6-D363CCB6889E}"/>
-              </a:ext>
-            </a:extLst>
-          </p:cNvPr>
-          <p:cNvSpPr>
-            <a:spLocks noGrp="1"/>
-          </p:cNvSpPr>
-          <p:nvPr>
-            <p:ph type="ftr" sz="quarter" idx="11"/>
-          </p:nvPr>
-        </p:nvSpPr>
-        <p:spPr/>
-        <p:txBody>
-          <a:bodyPr/>
-          <a:lstStyle/>
-          <a:p>
-            <a:r>
-              <a:rPr lang="en-GB"/>
-              <a:t>MBDP-105 | Antti Karkman</a:t>
-            </a:r>
-            <a:endParaRPr lang="en-FI"/>
-          </a:p>
-        </p:txBody>
-      </p:sp>
-      <p:sp>
-        <p:nvSpPr>
-          <p:cNvPr id="7" name="Slide Number Placeholder 6">
-            <a:extLst>
-              <a:ext uri="{FF2B5EF4-FFF2-40B4-BE49-F238E27FC236}">
-                <a16:creationId xmlns:a16="http://schemas.microsoft.com/office/drawing/2014/main" id="{3273866E-374B-3152-BF00-D63CF13CC3E8}"/>
-              </a:ext>
-            </a:extLst>
-          </p:cNvPr>
-          <p:cNvSpPr>
-            <a:spLocks noGrp="1"/>
-          </p:cNvSpPr>
-          <p:nvPr>
-            <p:ph type="sldNum" sz="quarter" idx="12"/>
-          </p:nvPr>
-        </p:nvSpPr>
-        <p:spPr/>
-        <p:txBody>
-          <a:bodyPr/>
-          <a:lstStyle/>
-          <a:p>
-            <a:fld id="{530408D4-39E5-994C-AC86-F2DF2F6A1E1A}" type="slidenum">
-              <a:rPr lang="en-FI" smtClean="0"/>
-              <a:t>6</a:t>
-            </a:fld>
-            <a:endParaRPr lang="en-FI"/>
-          </a:p>
-        </p:txBody>
-      </p:sp>
-    </p:spTree>
-    <p:extLst>
-      <p:ext uri="{BB962C8B-B14F-4D97-AF65-F5344CB8AC3E}">
-        <p14:creationId xmlns:p14="http://schemas.microsoft.com/office/powerpoint/2010/main" val="3855944061"/>
-      </p:ext>
-    </p:extLst>
-  </p:cSld>
-  <p:clrMapOvr>
-    <a:masterClrMapping/>
-  </p:clrMapOvr>
-</p:sld>
-</file>
-
 <file path=ppt/slides/slide7.xml><?xml version="1.0" encoding="utf-8"?>
 <p:sld xmlns:a="http://schemas.openxmlformats.org/drawingml/2006/main" xmlns:r="http://schemas.openxmlformats.org/officeDocument/2006/relationships" xmlns:p="http://schemas.openxmlformats.org/presentationml/2006/main">
   <p:cSld>
@@ -6214,10 +6567,10 @@
       </p:grpSpPr>
       <p:sp>
         <p:nvSpPr>
-          <p:cNvPr id="2" name="Title 1">
-            <a:extLst>
-              <a:ext uri="{FF2B5EF4-FFF2-40B4-BE49-F238E27FC236}">
-                <a16:creationId xmlns:a16="http://schemas.microsoft.com/office/drawing/2014/main" id="{F63F2CDA-C473-1444-E2CD-910AAB603534}"/>
+          <p:cNvPr id="8" name="Title 7">
+            <a:extLst>
+              <a:ext uri="{FF2B5EF4-FFF2-40B4-BE49-F238E27FC236}">
+                <a16:creationId xmlns:a16="http://schemas.microsoft.com/office/drawing/2014/main" id="{5AF2ACD1-2F3D-B4FB-A83D-269F0B13BABE}"/>
               </a:ext>
             </a:extLst>
           </p:cNvPr>
@@ -6235,121 +6588,45 @@
           <a:p>
             <a:r>
               <a:rPr lang="en-FI" dirty="0"/>
-              <a:t>Oxford Nanopore</a:t>
-            </a:r>
-          </a:p>
-        </p:txBody>
-      </p:sp>
-      <p:sp>
-        <p:nvSpPr>
-          <p:cNvPr id="3" name="Content Placeholder 2">
-            <a:extLst>
-              <a:ext uri="{FF2B5EF4-FFF2-40B4-BE49-F238E27FC236}">
-                <a16:creationId xmlns:a16="http://schemas.microsoft.com/office/drawing/2014/main" id="{BDA37798-4019-EA4C-EA60-4A3E8BE4C215}"/>
-              </a:ext>
-            </a:extLst>
-          </p:cNvPr>
-          <p:cNvSpPr>
-            <a:spLocks noGrp="1"/>
-          </p:cNvSpPr>
-          <p:nvPr>
-            <p:ph sz="half" idx="1"/>
-          </p:nvPr>
-        </p:nvSpPr>
-        <p:spPr/>
-        <p:txBody>
-          <a:bodyPr>
-            <a:normAutofit/>
-          </a:bodyPr>
+              <a:t>Long-read sequencing</a:t>
+            </a:r>
+          </a:p>
+        </p:txBody>
+      </p:sp>
+      <p:sp>
+        <p:nvSpPr>
+          <p:cNvPr id="9" name="Text Placeholder 8">
+            <a:extLst>
+              <a:ext uri="{FF2B5EF4-FFF2-40B4-BE49-F238E27FC236}">
+                <a16:creationId xmlns:a16="http://schemas.microsoft.com/office/drawing/2014/main" id="{43F0E739-DED1-C6BB-808D-87EAB38CA6FE}"/>
+              </a:ext>
+            </a:extLst>
+          </p:cNvPr>
+          <p:cNvSpPr>
+            <a:spLocks noGrp="1"/>
+          </p:cNvSpPr>
+          <p:nvPr>
+            <p:ph type="body" idx="1"/>
+          </p:nvPr>
+        </p:nvSpPr>
+        <p:spPr/>
+        <p:txBody>
+          <a:bodyPr/>
           <a:lstStyle/>
           <a:p>
             <a:r>
               <a:rPr lang="en-FI" dirty="0"/>
-              <a:t>Different instruments, same technology</a:t>
-            </a:r>
-          </a:p>
-          <a:p>
-            <a:r>
-              <a:rPr lang="en-FI" dirty="0"/>
-              <a:t>PromethION</a:t>
-            </a:r>
-          </a:p>
-          <a:p>
-            <a:pPr lvl="1"/>
-            <a:r>
-              <a:rPr lang="en-FI" dirty="0"/>
-              <a:t>1–48 flow cells (specific)</a:t>
-            </a:r>
-          </a:p>
-          <a:p>
-            <a:r>
-              <a:rPr lang="en-FI" dirty="0"/>
-              <a:t>GridION</a:t>
-            </a:r>
-          </a:p>
-          <a:p>
-            <a:pPr lvl="1"/>
-            <a:r>
-              <a:rPr lang="en-FI" dirty="0"/>
-              <a:t>1–5 flow cells</a:t>
-            </a:r>
-          </a:p>
-          <a:p>
-            <a:r>
-              <a:rPr lang="en-FI" dirty="0"/>
-              <a:t>MinION</a:t>
-            </a:r>
-          </a:p>
-          <a:p>
-            <a:pPr lvl="1"/>
-            <a:r>
-              <a:rPr lang="en-FI" dirty="0"/>
-              <a:t>1 flowcell</a:t>
-            </a:r>
-          </a:p>
-          <a:p>
-            <a:r>
-              <a:rPr lang="en-FI" dirty="0"/>
-              <a:t>Flongle – smaller flow cell</a:t>
-            </a:r>
-          </a:p>
-        </p:txBody>
-      </p:sp>
-      <p:pic>
-        <p:nvPicPr>
-          <p:cNvPr id="10" name="Content Placeholder 9" descr="A black and silver rectangular electronic devices&#10;&#10;Description automatically generated">
-            <a:extLst>
-              <a:ext uri="{FF2B5EF4-FFF2-40B4-BE49-F238E27FC236}">
-                <a16:creationId xmlns:a16="http://schemas.microsoft.com/office/drawing/2014/main" id="{E054971C-C70D-7FB7-0C00-2F6807AEEF03}"/>
-              </a:ext>
-            </a:extLst>
-          </p:cNvPr>
-          <p:cNvPicPr>
-            <a:picLocks noGrp="1" noChangeAspect="1"/>
-          </p:cNvPicPr>
-          <p:nvPr>
-            <p:ph sz="half" idx="2"/>
-          </p:nvPr>
-        </p:nvPicPr>
-        <p:blipFill>
-          <a:blip r:embed="rId2"/>
-          <a:stretch>
-            <a:fillRect/>
-          </a:stretch>
-        </p:blipFill>
-        <p:spPr>
-          <a:xfrm>
-            <a:off x="5523613" y="3054903"/>
-            <a:ext cx="6473201" cy="1888017"/>
-          </a:xfrm>
-        </p:spPr>
-      </p:pic>
-      <p:sp>
-        <p:nvSpPr>
-          <p:cNvPr id="4" name="Date Placeholder 3">
-            <a:extLst>
-              <a:ext uri="{FF2B5EF4-FFF2-40B4-BE49-F238E27FC236}">
-                <a16:creationId xmlns:a16="http://schemas.microsoft.com/office/drawing/2014/main" id="{0EAA6BE9-6ED2-9636-FAF9-905507944949}"/>
+              <a:t>Nanopore</a:t>
+            </a:r>
+          </a:p>
+        </p:txBody>
+      </p:sp>
+      <p:sp>
+        <p:nvSpPr>
+          <p:cNvPr id="5" name="Date Placeholder 4">
+            <a:extLst>
+              <a:ext uri="{FF2B5EF4-FFF2-40B4-BE49-F238E27FC236}">
+                <a16:creationId xmlns:a16="http://schemas.microsoft.com/office/drawing/2014/main" id="{549C79A0-3EA3-8E44-85B1-92DB718EE2C2}"/>
               </a:ext>
             </a:extLst>
           </p:cNvPr>
@@ -6365,7 +6642,7 @@
           <a:bodyPr/>
           <a:lstStyle/>
           <a:p>
-            <a:fld id="{B3C08D82-95F3-3848-9568-4754891AFC81}" type="datetime1">
+            <a:fld id="{7AC33BA2-1259-2246-99BD-5B834BE3FEAC}" type="datetime1">
               <a:rPr lang="fi-FI" smtClean="0"/>
               <a:t>4.2.2024</a:t>
             </a:fld>
@@ -6375,10 +6652,10 @@
       </p:sp>
       <p:sp>
         <p:nvSpPr>
-          <p:cNvPr id="5" name="Footer Placeholder 4">
-            <a:extLst>
-              <a:ext uri="{FF2B5EF4-FFF2-40B4-BE49-F238E27FC236}">
-                <a16:creationId xmlns:a16="http://schemas.microsoft.com/office/drawing/2014/main" id="{2A91ABF1-F5B8-F65A-313B-1F577AF19A5A}"/>
+          <p:cNvPr id="6" name="Footer Placeholder 5">
+            <a:extLst>
+              <a:ext uri="{FF2B5EF4-FFF2-40B4-BE49-F238E27FC236}">
+                <a16:creationId xmlns:a16="http://schemas.microsoft.com/office/drawing/2014/main" id="{B4648597-4E6B-7A61-6AD6-D363CCB6889E}"/>
               </a:ext>
             </a:extLst>
           </p:cNvPr>
@@ -6398,16 +6675,16 @@
               <a:rPr lang="en-GB"/>
               <a:t>MBDP-105 | Antti Karkman</a:t>
             </a:r>
-            <a:endParaRPr lang="en-FI" dirty="0"/>
-          </a:p>
-        </p:txBody>
-      </p:sp>
-      <p:sp>
-        <p:nvSpPr>
-          <p:cNvPr id="6" name="Slide Number Placeholder 5">
-            <a:extLst>
-              <a:ext uri="{FF2B5EF4-FFF2-40B4-BE49-F238E27FC236}">
-                <a16:creationId xmlns:a16="http://schemas.microsoft.com/office/drawing/2014/main" id="{228BD91D-7B1F-7D45-E781-7B709AEEF6A2}"/>
+            <a:endParaRPr lang="en-FI"/>
+          </a:p>
+        </p:txBody>
+      </p:sp>
+      <p:sp>
+        <p:nvSpPr>
+          <p:cNvPr id="7" name="Slide Number Placeholder 6">
+            <a:extLst>
+              <a:ext uri="{FF2B5EF4-FFF2-40B4-BE49-F238E27FC236}">
+                <a16:creationId xmlns:a16="http://schemas.microsoft.com/office/drawing/2014/main" id="{3273866E-374B-3152-BF00-D63CF13CC3E8}"/>
               </a:ext>
             </a:extLst>
           </p:cNvPr>
@@ -6434,7 +6711,7 @@
     </p:spTree>
     <p:extLst>
       <p:ext uri="{BB962C8B-B14F-4D97-AF65-F5344CB8AC3E}">
-        <p14:creationId xmlns:p14="http://schemas.microsoft.com/office/powerpoint/2010/main" val="1866987868"/>
+        <p14:creationId xmlns:p14="http://schemas.microsoft.com/office/powerpoint/2010/main" val="3855944061"/>
       </p:ext>
     </p:extLst>
   </p:cSld>
@@ -6461,12 +6738,115 @@
           <a:chExt cx="0" cy="0"/>
         </a:xfrm>
       </p:grpSpPr>
+      <p:sp>
+        <p:nvSpPr>
+          <p:cNvPr id="2" name="Title 1">
+            <a:extLst>
+              <a:ext uri="{FF2B5EF4-FFF2-40B4-BE49-F238E27FC236}">
+                <a16:creationId xmlns:a16="http://schemas.microsoft.com/office/drawing/2014/main" id="{F63F2CDA-C473-1444-E2CD-910AAB603534}"/>
+              </a:ext>
+            </a:extLst>
+          </p:cNvPr>
+          <p:cNvSpPr>
+            <a:spLocks noGrp="1"/>
+          </p:cNvSpPr>
+          <p:nvPr>
+            <p:ph type="title"/>
+          </p:nvPr>
+        </p:nvSpPr>
+        <p:spPr/>
+        <p:txBody>
+          <a:bodyPr/>
+          <a:lstStyle/>
+          <a:p>
+            <a:r>
+              <a:rPr lang="en-FI" dirty="0"/>
+              <a:t>Oxford Nanopore</a:t>
+            </a:r>
+          </a:p>
+        </p:txBody>
+      </p:sp>
+      <p:sp>
+        <p:nvSpPr>
+          <p:cNvPr id="3" name="Content Placeholder 2">
+            <a:extLst>
+              <a:ext uri="{FF2B5EF4-FFF2-40B4-BE49-F238E27FC236}">
+                <a16:creationId xmlns:a16="http://schemas.microsoft.com/office/drawing/2014/main" id="{BDA37798-4019-EA4C-EA60-4A3E8BE4C215}"/>
+              </a:ext>
+            </a:extLst>
+          </p:cNvPr>
+          <p:cNvSpPr>
+            <a:spLocks noGrp="1"/>
+          </p:cNvSpPr>
+          <p:nvPr>
+            <p:ph sz="half" idx="1"/>
+          </p:nvPr>
+        </p:nvSpPr>
+        <p:spPr/>
+        <p:txBody>
+          <a:bodyPr>
+            <a:normAutofit/>
+          </a:bodyPr>
+          <a:lstStyle/>
+          <a:p>
+            <a:r>
+              <a:rPr lang="en-FI" dirty="0"/>
+              <a:t>Different instruments, same technology</a:t>
+            </a:r>
+          </a:p>
+          <a:p>
+            <a:r>
+              <a:rPr lang="en-FI" dirty="0"/>
+              <a:t>PromethION</a:t>
+            </a:r>
+          </a:p>
+          <a:p>
+            <a:pPr lvl="1"/>
+            <a:r>
+              <a:rPr lang="en-FI" dirty="0"/>
+              <a:t>1–48 flow cells (specific)</a:t>
+            </a:r>
+          </a:p>
+          <a:p>
+            <a:r>
+              <a:rPr lang="en-FI" dirty="0"/>
+              <a:t>GridION</a:t>
+            </a:r>
+          </a:p>
+          <a:p>
+            <a:pPr lvl="1"/>
+            <a:r>
+              <a:rPr lang="en-FI" dirty="0"/>
+              <a:t>1–5 flow cells</a:t>
+            </a:r>
+          </a:p>
+          <a:p>
+            <a:r>
+              <a:rPr lang="en-FI" dirty="0"/>
+              <a:t>MinION</a:t>
+            </a:r>
+          </a:p>
+          <a:p>
+            <a:pPr lvl="1"/>
+            <a:r>
+              <a:rPr lang="en-FI" dirty="0"/>
+              <a:t>1 flowcell</a:t>
+            </a:r>
+          </a:p>
+          <a:p>
+            <a:r>
+              <a:rPr lang="en-FI" dirty="0"/>
+              <a:t>Flongle – smaller flow cell</a:t>
+            </a:r>
+          </a:p>
+        </p:txBody>
+      </p:sp>
       <p:pic>
         <p:nvPicPr>
-          <p:cNvPr id="10" name="Content Placeholder 9" descr="A diagram of a cell phone and a computer&#10;&#10;Description automatically generated">
-            <a:extLst>
-              <a:ext uri="{FF2B5EF4-FFF2-40B4-BE49-F238E27FC236}">
-                <a16:creationId xmlns:a16="http://schemas.microsoft.com/office/drawing/2014/main" id="{9422EABC-C4F8-353D-0986-79A7B84B646C}"/>
+          <p:cNvPr id="10" name="Content Placeholder 9" descr="A black and silver rectangular electronic devices&#10;&#10;Description automatically generated">
+            <a:extLst>
+              <a:ext uri="{FF2B5EF4-FFF2-40B4-BE49-F238E27FC236}">
+                <a16:creationId xmlns:a16="http://schemas.microsoft.com/office/drawing/2014/main" id="{E054971C-C70D-7FB7-0C00-2F6807AEEF03}"/>
               </a:ext>
             </a:extLst>
           </p:cNvPr>
@@ -6485,209 +6865,17 @@
         </p:blipFill>
         <p:spPr>
           <a:xfrm>
-            <a:off x="6539022" y="1825625"/>
-            <a:ext cx="5527785" cy="3494475"/>
+            <a:off x="5523613" y="3054903"/>
+            <a:ext cx="6473201" cy="1888017"/>
           </a:xfrm>
         </p:spPr>
       </p:pic>
       <p:sp>
         <p:nvSpPr>
-          <p:cNvPr id="2" name="Title 1">
-            <a:extLst>
-              <a:ext uri="{FF2B5EF4-FFF2-40B4-BE49-F238E27FC236}">
-                <a16:creationId xmlns:a16="http://schemas.microsoft.com/office/drawing/2014/main" id="{E5E14423-94D1-9A45-011F-65A532577539}"/>
-              </a:ext>
-            </a:extLst>
-          </p:cNvPr>
-          <p:cNvSpPr>
-            <a:spLocks noGrp="1"/>
-          </p:cNvSpPr>
-          <p:nvPr>
-            <p:ph type="title"/>
-          </p:nvPr>
-        </p:nvSpPr>
-        <p:spPr/>
-        <p:txBody>
-          <a:bodyPr/>
-          <a:lstStyle/>
-          <a:p>
-            <a:r>
-              <a:rPr lang="en-FI" dirty="0"/>
-              <a:t>Flowcell - MinION/GridION</a:t>
-            </a:r>
-          </a:p>
-        </p:txBody>
-      </p:sp>
-      <p:sp>
-        <p:nvSpPr>
-          <p:cNvPr id="7" name="Content Placeholder 6">
-            <a:extLst>
-              <a:ext uri="{FF2B5EF4-FFF2-40B4-BE49-F238E27FC236}">
-                <a16:creationId xmlns:a16="http://schemas.microsoft.com/office/drawing/2014/main" id="{A91A1329-4320-3B60-E8F7-D5AF4635FABE}"/>
-              </a:ext>
-            </a:extLst>
-          </p:cNvPr>
-          <p:cNvSpPr>
-            <a:spLocks noGrp="1"/>
-          </p:cNvSpPr>
-          <p:nvPr>
-            <p:ph sz="half" idx="1"/>
-          </p:nvPr>
-        </p:nvSpPr>
-        <p:spPr>
-          <a:xfrm>
-            <a:off x="838200" y="1825625"/>
-            <a:ext cx="5360581" cy="4351338"/>
-          </a:xfrm>
-        </p:spPr>
-        <p:txBody>
-          <a:bodyPr>
-            <a:normAutofit fontScale="92500"/>
-          </a:bodyPr>
-          <a:lstStyle/>
-          <a:p>
-            <a:r>
-              <a:rPr lang="en-FI" dirty="0">
-                <a:latin typeface="Arial" panose="020B0604020202020204" pitchFamily="34" charset="0"/>
-                <a:cs typeface="Arial" panose="020B0604020202020204" pitchFamily="34" charset="0"/>
-              </a:rPr>
-              <a:t>Flowcell has 512 channels </a:t>
-            </a:r>
-          </a:p>
-          <a:p>
-            <a:r>
-              <a:rPr lang="en-FI" dirty="0">
-                <a:cs typeface="Arial" panose="020B0604020202020204" pitchFamily="34" charset="0"/>
-              </a:rPr>
-              <a:t>E</a:t>
-            </a:r>
-            <a:r>
-              <a:rPr lang="en-FI" dirty="0">
-                <a:latin typeface="Arial" panose="020B0604020202020204" pitchFamily="34" charset="0"/>
-                <a:cs typeface="Arial" panose="020B0604020202020204" pitchFamily="34" charset="0"/>
-              </a:rPr>
-              <a:t>ach channels has 4 nanopores</a:t>
-            </a:r>
-          </a:p>
-          <a:p>
-            <a:r>
-              <a:rPr lang="en-FI" dirty="0">
-                <a:cs typeface="Arial" panose="020B0604020202020204" pitchFamily="34" charset="0"/>
-                <a:sym typeface="Wingdings" pitchFamily="2" charset="2"/>
-              </a:rPr>
-              <a:t>~450 bases s</a:t>
-            </a:r>
-            <a:r>
-              <a:rPr lang="en-FI" baseline="30000" dirty="0">
-                <a:cs typeface="Arial" panose="020B0604020202020204" pitchFamily="34" charset="0"/>
-                <a:sym typeface="Wingdings" pitchFamily="2" charset="2"/>
-              </a:rPr>
-              <a:t>-1</a:t>
-            </a:r>
-          </a:p>
-          <a:p>
-            <a:r>
-              <a:rPr lang="en-FI" dirty="0">
-                <a:cs typeface="Arial" panose="020B0604020202020204" pitchFamily="34" charset="0"/>
-                <a:sym typeface="Wingdings" pitchFamily="2" charset="2"/>
-              </a:rPr>
-              <a:t>Can read DNA and RNA</a:t>
-            </a:r>
-          </a:p>
-          <a:p>
-            <a:endParaRPr lang="en-FI" dirty="0">
-              <a:cs typeface="Arial" panose="020B0604020202020204" pitchFamily="34" charset="0"/>
-              <a:sym typeface="Wingdings" pitchFamily="2" charset="2"/>
-            </a:endParaRPr>
-          </a:p>
-          <a:p>
-            <a:r>
-              <a:rPr lang="en-FI" dirty="0">
-                <a:cs typeface="Arial" panose="020B0604020202020204" pitchFamily="34" charset="0"/>
-                <a:sym typeface="Wingdings" pitchFamily="2" charset="2"/>
-              </a:rPr>
-              <a:t>Applications:</a:t>
-            </a:r>
-          </a:p>
-          <a:p>
-            <a:pPr lvl="1"/>
-            <a:r>
-              <a:rPr lang="en-GB" dirty="0">
-                <a:cs typeface="Arial" panose="020B0604020202020204" pitchFamily="34" charset="0"/>
-                <a:sym typeface="Wingdings" pitchFamily="2" charset="2"/>
-              </a:rPr>
-              <a:t>A</a:t>
-            </a:r>
-            <a:r>
-              <a:rPr lang="en-FI" dirty="0">
-                <a:cs typeface="Arial" panose="020B0604020202020204" pitchFamily="34" charset="0"/>
-                <a:sym typeface="Wingdings" pitchFamily="2" charset="2"/>
-              </a:rPr>
-              <a:t>mplicon sequencing</a:t>
-            </a:r>
-          </a:p>
-          <a:p>
-            <a:pPr lvl="1"/>
-            <a:r>
-              <a:rPr lang="fi-FI" dirty="0" err="1">
-                <a:cs typeface="Arial" panose="020B0604020202020204" pitchFamily="34" charset="0"/>
-                <a:sym typeface="Wingdings" pitchFamily="2" charset="2"/>
-              </a:rPr>
-              <a:t>Whole-genome</a:t>
-            </a:r>
-            <a:r>
-              <a:rPr lang="fi-FI" dirty="0">
-                <a:cs typeface="Arial" panose="020B0604020202020204" pitchFamily="34" charset="0"/>
-                <a:sym typeface="Wingdings" pitchFamily="2" charset="2"/>
-              </a:rPr>
-              <a:t> </a:t>
-            </a:r>
-            <a:r>
-              <a:rPr lang="fi-FI" dirty="0" err="1">
-                <a:cs typeface="Arial" panose="020B0604020202020204" pitchFamily="34" charset="0"/>
-                <a:sym typeface="Wingdings" pitchFamily="2" charset="2"/>
-              </a:rPr>
-              <a:t>sequencing</a:t>
-            </a:r>
-            <a:r>
-              <a:rPr lang="fi-FI" dirty="0">
-                <a:cs typeface="Arial" panose="020B0604020202020204" pitchFamily="34" charset="0"/>
-                <a:sym typeface="Wingdings" pitchFamily="2" charset="2"/>
-              </a:rPr>
-              <a:t> (WGS)</a:t>
-            </a:r>
-            <a:endParaRPr lang="en-FI" dirty="0">
-              <a:cs typeface="Arial" panose="020B0604020202020204" pitchFamily="34" charset="0"/>
-              <a:sym typeface="Wingdings" pitchFamily="2" charset="2"/>
-            </a:endParaRPr>
-          </a:p>
-          <a:p>
-            <a:pPr lvl="1"/>
-            <a:r>
-              <a:rPr lang="en-FI" dirty="0">
-                <a:cs typeface="Arial" panose="020B0604020202020204" pitchFamily="34" charset="0"/>
-                <a:sym typeface="Wingdings" pitchFamily="2" charset="2"/>
-              </a:rPr>
-              <a:t>Metagenomics</a:t>
-            </a:r>
-          </a:p>
-          <a:p>
-            <a:pPr lvl="1"/>
-            <a:r>
-              <a:rPr lang="en-FI" dirty="0">
-                <a:cs typeface="Arial" panose="020B0604020202020204" pitchFamily="34" charset="0"/>
-              </a:rPr>
-              <a:t>Transcriptomics</a:t>
-            </a:r>
-          </a:p>
-        </p:txBody>
-      </p:sp>
-      <p:sp>
-        <p:nvSpPr>
           <p:cNvPr id="4" name="Date Placeholder 3">
             <a:extLst>
               <a:ext uri="{FF2B5EF4-FFF2-40B4-BE49-F238E27FC236}">
-                <a16:creationId xmlns:a16="http://schemas.microsoft.com/office/drawing/2014/main" id="{B3C933F9-DDAF-6AE2-1E43-F9798C381F0C}"/>
+                <a16:creationId xmlns:a16="http://schemas.microsoft.com/office/drawing/2014/main" id="{0EAA6BE9-6ED2-9636-FAF9-905507944949}"/>
               </a:ext>
             </a:extLst>
           </p:cNvPr>
@@ -6703,7 +6891,7 @@
           <a:bodyPr/>
           <a:lstStyle/>
           <a:p>
-            <a:fld id="{A7442A5B-BEF1-6443-813C-9AD1BC3D79CA}" type="datetime1">
+            <a:fld id="{B3C08D82-95F3-3848-9568-4754891AFC81}" type="datetime1">
               <a:rPr lang="fi-FI" smtClean="0"/>
               <a:t>4.2.2024</a:t>
             </a:fld>
@@ -6716,7 +6904,7 @@
           <p:cNvPr id="5" name="Footer Placeholder 4">
             <a:extLst>
               <a:ext uri="{FF2B5EF4-FFF2-40B4-BE49-F238E27FC236}">
-                <a16:creationId xmlns:a16="http://schemas.microsoft.com/office/drawing/2014/main" id="{47C720C4-7E1E-B771-13A2-4C5852BB0D36}"/>
+                <a16:creationId xmlns:a16="http://schemas.microsoft.com/office/drawing/2014/main" id="{2A91ABF1-F5B8-F65A-313B-1F577AF19A5A}"/>
               </a:ext>
             </a:extLst>
           </p:cNvPr>
@@ -6745,7 +6933,7 @@
           <p:cNvPr id="6" name="Slide Number Placeholder 5">
             <a:extLst>
               <a:ext uri="{FF2B5EF4-FFF2-40B4-BE49-F238E27FC236}">
-                <a16:creationId xmlns:a16="http://schemas.microsoft.com/office/drawing/2014/main" id="{94D9166E-9678-7BF6-F1EE-514CCE040179}"/>
+                <a16:creationId xmlns:a16="http://schemas.microsoft.com/office/drawing/2014/main" id="{228BD91D-7B1F-7D45-E781-7B709AEEF6A2}"/>
               </a:ext>
             </a:extLst>
           </p:cNvPr>
@@ -6769,89 +6957,10 @@
           </a:p>
         </p:txBody>
       </p:sp>
-      <p:sp>
-        <p:nvSpPr>
-          <p:cNvPr id="11" name="TextBox 10">
-            <a:extLst>
-              <a:ext uri="{FF2B5EF4-FFF2-40B4-BE49-F238E27FC236}">
-                <a16:creationId xmlns:a16="http://schemas.microsoft.com/office/drawing/2014/main" id="{F3FAE227-6157-DFD3-7735-2E7253048A13}"/>
-              </a:ext>
-            </a:extLst>
-          </p:cNvPr>
-          <p:cNvSpPr txBox="1"/>
-          <p:nvPr/>
-        </p:nvSpPr>
-        <p:spPr>
-          <a:xfrm>
-            <a:off x="9407105" y="5320100"/>
-            <a:ext cx="2659702" cy="246221"/>
-          </a:xfrm>
-          <a:prstGeom prst="rect">
-            <a:avLst/>
-          </a:prstGeom>
-          <a:noFill/>
-        </p:spPr>
-        <p:txBody>
-          <a:bodyPr wrap="none" rtlCol="0">
-            <a:spAutoFit/>
-          </a:bodyPr>
-          <a:lstStyle/>
-          <a:p>
-            <a:r>
-              <a:rPr lang="en-GB" sz="1000" b="0" i="0" dirty="0">
-                <a:solidFill>
-                  <a:schemeClr val="bg1">
-                    <a:lumMod val="50000"/>
-                  </a:schemeClr>
-                </a:solidFill>
-                <a:effectLst/>
-                <a:latin typeface="Arial" panose="020B0604020202020204" pitchFamily="34" charset="0"/>
-                <a:cs typeface="Arial" panose="020B0604020202020204" pitchFamily="34" charset="0"/>
-              </a:rPr>
-              <a:t>https://</a:t>
-            </a:r>
-            <a:r>
-              <a:rPr lang="en-GB" sz="1000" b="0" i="0" dirty="0" err="1">
-                <a:solidFill>
-                  <a:schemeClr val="bg1">
-                    <a:lumMod val="50000"/>
-                  </a:schemeClr>
-                </a:solidFill>
-                <a:effectLst/>
-                <a:latin typeface="Arial" panose="020B0604020202020204" pitchFamily="34" charset="0"/>
-                <a:cs typeface="Arial" panose="020B0604020202020204" pitchFamily="34" charset="0"/>
-              </a:rPr>
-              <a:t>doi.org</a:t>
-            </a:r>
-            <a:r>
-              <a:rPr lang="en-GB" sz="1000" b="0" i="0" dirty="0">
-                <a:solidFill>
-                  <a:schemeClr val="bg1">
-                    <a:lumMod val="50000"/>
-                  </a:schemeClr>
-                </a:solidFill>
-                <a:effectLst/>
-                <a:latin typeface="Arial" panose="020B0604020202020204" pitchFamily="34" charset="0"/>
-                <a:cs typeface="Arial" panose="020B0604020202020204" pitchFamily="34" charset="0"/>
-              </a:rPr>
-              <a:t>/10.1038/s41587-021-01108-x</a:t>
-            </a:r>
-            <a:endParaRPr lang="en-FI" sz="1000" dirty="0">
-              <a:solidFill>
-                <a:schemeClr val="bg1">
-                  <a:lumMod val="50000"/>
-                </a:schemeClr>
-              </a:solidFill>
-              <a:latin typeface="Arial" panose="020B0604020202020204" pitchFamily="34" charset="0"/>
-              <a:cs typeface="Arial" panose="020B0604020202020204" pitchFamily="34" charset="0"/>
-            </a:endParaRPr>
-          </a:p>
-        </p:txBody>
-      </p:sp>
     </p:spTree>
     <p:extLst>
       <p:ext uri="{BB962C8B-B14F-4D97-AF65-F5344CB8AC3E}">
-        <p14:creationId xmlns:p14="http://schemas.microsoft.com/office/powerpoint/2010/main" val="2701738529"/>
+        <p14:creationId xmlns:p14="http://schemas.microsoft.com/office/powerpoint/2010/main" val="1866987868"/>
       </p:ext>
     </p:extLst>
   </p:cSld>
@@ -6878,151 +6987,12 @@
           <a:chExt cx="0" cy="0"/>
         </a:xfrm>
       </p:grpSpPr>
-      <p:sp>
-        <p:nvSpPr>
-          <p:cNvPr id="2" name="Title 1">
-            <a:extLst>
-              <a:ext uri="{FF2B5EF4-FFF2-40B4-BE49-F238E27FC236}">
-                <a16:creationId xmlns:a16="http://schemas.microsoft.com/office/drawing/2014/main" id="{02534534-B31D-3B5D-89DF-AC9DE44ED953}"/>
-              </a:ext>
-            </a:extLst>
-          </p:cNvPr>
-          <p:cNvSpPr>
-            <a:spLocks noGrp="1"/>
-          </p:cNvSpPr>
-          <p:nvPr>
-            <p:ph type="title"/>
-          </p:nvPr>
-        </p:nvSpPr>
-        <p:spPr/>
-        <p:txBody>
-          <a:bodyPr/>
-          <a:lstStyle/>
-          <a:p>
-            <a:r>
-              <a:rPr lang="en-FI" dirty="0"/>
-              <a:t>Multiplexing</a:t>
-            </a:r>
-          </a:p>
-        </p:txBody>
-      </p:sp>
-      <p:sp>
-        <p:nvSpPr>
-          <p:cNvPr id="3" name="Content Placeholder 2">
-            <a:extLst>
-              <a:ext uri="{FF2B5EF4-FFF2-40B4-BE49-F238E27FC236}">
-                <a16:creationId xmlns:a16="http://schemas.microsoft.com/office/drawing/2014/main" id="{1E3E7291-6C25-212F-E5BB-EFFDA4D153C1}"/>
-              </a:ext>
-            </a:extLst>
-          </p:cNvPr>
-          <p:cNvSpPr>
-            <a:spLocks noGrp="1"/>
-          </p:cNvSpPr>
-          <p:nvPr>
-            <p:ph sz="half" idx="1"/>
-          </p:nvPr>
-        </p:nvSpPr>
-        <p:spPr/>
-        <p:txBody>
-          <a:bodyPr>
-            <a:normAutofit fontScale="92500" lnSpcReduction="10000"/>
-          </a:bodyPr>
-          <a:lstStyle/>
-          <a:p>
-            <a:r>
-              <a:rPr lang="en-FI" dirty="0"/>
-              <a:t>Each sample will get unique barcode (24 nt)</a:t>
-            </a:r>
-          </a:p>
-          <a:p>
-            <a:r>
-              <a:rPr lang="en-FI" dirty="0"/>
-              <a:t>24/96 barcodes </a:t>
-            </a:r>
-          </a:p>
-          <a:p>
-            <a:r>
-              <a:rPr lang="en-FI" dirty="0"/>
-              <a:t>Sample1:</a:t>
-            </a:r>
-          </a:p>
-          <a:p>
-            <a:pPr marL="457200" lvl="1" indent="0">
-              <a:buNone/>
-            </a:pPr>
-            <a:r>
-              <a:rPr lang="en-GB" sz="1800" b="1" dirty="0">
-                <a:effectLst/>
-                <a:latin typeface="Courier New" panose="02070309020205020404" pitchFamily="49" charset="0"/>
-                <a:cs typeface="Courier New" panose="02070309020205020404" pitchFamily="49" charset="0"/>
-              </a:rPr>
-              <a:t>AAGAAAGTTGTCGGTGTCTTTGTG </a:t>
-            </a:r>
-            <a:r>
-              <a:rPr lang="en-FI" dirty="0"/>
-              <a:t> </a:t>
-            </a:r>
-          </a:p>
-          <a:p>
-            <a:r>
-              <a:rPr lang="en-FI" dirty="0"/>
-              <a:t>Sample 2:</a:t>
-            </a:r>
-          </a:p>
-          <a:p>
-            <a:pPr marL="457200" lvl="1" indent="0">
-              <a:buNone/>
-            </a:pPr>
-            <a:r>
-              <a:rPr lang="en-GB" sz="1800" b="1" dirty="0">
-                <a:effectLst/>
-                <a:latin typeface="Courier New" panose="02070309020205020404" pitchFamily="49" charset="0"/>
-                <a:cs typeface="Courier New" panose="02070309020205020404" pitchFamily="49" charset="0"/>
-              </a:rPr>
-              <a:t>TCGATTCCGTTTGTAGTCGTCTGT</a:t>
-            </a:r>
-            <a:r>
-              <a:rPr lang="en-GB" sz="1800" dirty="0">
-                <a:effectLst/>
-                <a:latin typeface="DejaVuSans"/>
-              </a:rPr>
-              <a:t> </a:t>
-            </a:r>
-            <a:endParaRPr lang="en-GB" dirty="0">
-              <a:effectLst/>
-            </a:endParaRPr>
-          </a:p>
-          <a:p>
-            <a:pPr marL="0" indent="0">
-              <a:buNone/>
-            </a:pPr>
-            <a:r>
-              <a:rPr lang="en-FI"/>
-              <a:t>  ...</a:t>
-            </a:r>
-            <a:endParaRPr lang="en-FI" dirty="0"/>
-          </a:p>
-          <a:p>
-            <a:r>
-              <a:rPr lang="en-FI" dirty="0"/>
-              <a:t>Demultiplexing:</a:t>
-            </a:r>
-          </a:p>
-          <a:p>
-            <a:pPr lvl="1"/>
-            <a:r>
-              <a:rPr lang="en-FI" dirty="0"/>
-              <a:t>Reads will be divided based on the barcode sequence</a:t>
-            </a:r>
-          </a:p>
-        </p:txBody>
-      </p:sp>
       <p:pic>
         <p:nvPicPr>
-          <p:cNvPr id="9" name="Content Placeholder 8">
-            <a:extLst>
-              <a:ext uri="{FF2B5EF4-FFF2-40B4-BE49-F238E27FC236}">
-                <a16:creationId xmlns:a16="http://schemas.microsoft.com/office/drawing/2014/main" id="{BB26BE80-FF3E-BA06-60DF-51233B4A8D5D}"/>
+          <p:cNvPr id="10" name="Content Placeholder 9" descr="A diagram of a cell phone and a computer&#10;&#10;Description automatically generated">
+            <a:extLst>
+              <a:ext uri="{FF2B5EF4-FFF2-40B4-BE49-F238E27FC236}">
+                <a16:creationId xmlns:a16="http://schemas.microsoft.com/office/drawing/2014/main" id="{9422EABC-C4F8-353D-0986-79A7B84B646C}"/>
               </a:ext>
             </a:extLst>
           </p:cNvPr>
@@ -7034,30 +7004,216 @@
           </p:nvPr>
         </p:nvPicPr>
         <p:blipFill>
-          <a:blip r:embed="rId2">
-            <a:extLst>
-              <a:ext uri="{96DAC541-7B7A-43D3-8B79-37D633B846F1}">
-                <asvg:svgBlip xmlns:asvg="http://schemas.microsoft.com/office/drawing/2016/SVG/main" r:embed="rId3"/>
-              </a:ext>
-            </a:extLst>
-          </a:blip>
+          <a:blip r:embed="rId2"/>
           <a:stretch>
             <a:fillRect/>
           </a:stretch>
         </p:blipFill>
         <p:spPr>
           <a:xfrm>
-            <a:off x="6426200" y="1893094"/>
-            <a:ext cx="4673600" cy="4216400"/>
+            <a:off x="6539022" y="1825625"/>
+            <a:ext cx="5527785" cy="3494475"/>
           </a:xfrm>
         </p:spPr>
       </p:pic>
       <p:sp>
         <p:nvSpPr>
+          <p:cNvPr id="2" name="Title 1">
+            <a:extLst>
+              <a:ext uri="{FF2B5EF4-FFF2-40B4-BE49-F238E27FC236}">
+                <a16:creationId xmlns:a16="http://schemas.microsoft.com/office/drawing/2014/main" id="{E5E14423-94D1-9A45-011F-65A532577539}"/>
+              </a:ext>
+            </a:extLst>
+          </p:cNvPr>
+          <p:cNvSpPr>
+            <a:spLocks noGrp="1"/>
+          </p:cNvSpPr>
+          <p:nvPr>
+            <p:ph type="title"/>
+          </p:nvPr>
+        </p:nvSpPr>
+        <p:spPr/>
+        <p:txBody>
+          <a:bodyPr/>
+          <a:lstStyle/>
+          <a:p>
+            <a:r>
+              <a:rPr lang="en-FI" dirty="0"/>
+              <a:t>Flowcell - MinION/GridION</a:t>
+            </a:r>
+          </a:p>
+        </p:txBody>
+      </p:sp>
+      <p:sp>
+        <p:nvSpPr>
+          <p:cNvPr id="7" name="Content Placeholder 6">
+            <a:extLst>
+              <a:ext uri="{FF2B5EF4-FFF2-40B4-BE49-F238E27FC236}">
+                <a16:creationId xmlns:a16="http://schemas.microsoft.com/office/drawing/2014/main" id="{A91A1329-4320-3B60-E8F7-D5AF4635FABE}"/>
+              </a:ext>
+            </a:extLst>
+          </p:cNvPr>
+          <p:cNvSpPr>
+            <a:spLocks noGrp="1"/>
+          </p:cNvSpPr>
+          <p:nvPr>
+            <p:ph sz="half" idx="1"/>
+          </p:nvPr>
+        </p:nvSpPr>
+        <p:spPr>
+          <a:xfrm>
+            <a:off x="838200" y="1825625"/>
+            <a:ext cx="5360581" cy="4351338"/>
+          </a:xfrm>
+        </p:spPr>
+        <p:txBody>
+          <a:bodyPr>
+            <a:normAutofit fontScale="92500"/>
+          </a:bodyPr>
+          <a:lstStyle/>
+          <a:p>
+            <a:r>
+              <a:rPr lang="en-FI" dirty="0">
+                <a:latin typeface="Arial" panose="020B0604020202020204" pitchFamily="34" charset="0"/>
+                <a:cs typeface="Arial" panose="020B0604020202020204" pitchFamily="34" charset="0"/>
+              </a:rPr>
+              <a:t>Flowcell has 512 channels </a:t>
+            </a:r>
+          </a:p>
+          <a:p>
+            <a:r>
+              <a:rPr lang="en-FI" dirty="0">
+                <a:cs typeface="Arial" panose="020B0604020202020204" pitchFamily="34" charset="0"/>
+              </a:rPr>
+              <a:t>E</a:t>
+            </a:r>
+            <a:r>
+              <a:rPr lang="en-FI" dirty="0">
+                <a:latin typeface="Arial" panose="020B0604020202020204" pitchFamily="34" charset="0"/>
+                <a:cs typeface="Arial" panose="020B0604020202020204" pitchFamily="34" charset="0"/>
+              </a:rPr>
+              <a:t>ach channels has 4 nanopores</a:t>
+            </a:r>
+          </a:p>
+          <a:p>
+            <a:r>
+              <a:rPr lang="en-FI" dirty="0">
+                <a:cs typeface="Arial" panose="020B0604020202020204" pitchFamily="34" charset="0"/>
+                <a:sym typeface="Wingdings" pitchFamily="2" charset="2"/>
+              </a:rPr>
+              <a:t>~450 bases s</a:t>
+            </a:r>
+            <a:r>
+              <a:rPr lang="en-FI" baseline="30000" dirty="0">
+                <a:cs typeface="Arial" panose="020B0604020202020204" pitchFamily="34" charset="0"/>
+                <a:sym typeface="Wingdings" pitchFamily="2" charset="2"/>
+              </a:rPr>
+              <a:t>-1</a:t>
+            </a:r>
+          </a:p>
+          <a:p>
+            <a:r>
+              <a:rPr lang="en-FI" dirty="0">
+                <a:cs typeface="Arial" panose="020B0604020202020204" pitchFamily="34" charset="0"/>
+                <a:sym typeface="Wingdings" pitchFamily="2" charset="2"/>
+              </a:rPr>
+              <a:t>Can read DNA and RNA</a:t>
+            </a:r>
+          </a:p>
+          <a:p>
+            <a:endParaRPr lang="en-FI" dirty="0">
+              <a:cs typeface="Arial" panose="020B0604020202020204" pitchFamily="34" charset="0"/>
+              <a:sym typeface="Wingdings" pitchFamily="2" charset="2"/>
+            </a:endParaRPr>
+          </a:p>
+          <a:p>
+            <a:r>
+              <a:rPr lang="en-FI" dirty="0">
+                <a:cs typeface="Arial" panose="020B0604020202020204" pitchFamily="34" charset="0"/>
+                <a:sym typeface="Wingdings" pitchFamily="2" charset="2"/>
+              </a:rPr>
+              <a:t>Applications:</a:t>
+            </a:r>
+          </a:p>
+          <a:p>
+            <a:pPr lvl="1"/>
+            <a:r>
+              <a:rPr lang="en-GB" dirty="0">
+                <a:cs typeface="Arial" panose="020B0604020202020204" pitchFamily="34" charset="0"/>
+                <a:sym typeface="Wingdings" pitchFamily="2" charset="2"/>
+              </a:rPr>
+              <a:t>A</a:t>
+            </a:r>
+            <a:r>
+              <a:rPr lang="en-FI" dirty="0">
+                <a:cs typeface="Arial" panose="020B0604020202020204" pitchFamily="34" charset="0"/>
+                <a:sym typeface="Wingdings" pitchFamily="2" charset="2"/>
+              </a:rPr>
+              <a:t>mplicon sequencing</a:t>
+            </a:r>
+          </a:p>
+          <a:p>
+            <a:pPr lvl="1"/>
+            <a:r>
+              <a:rPr lang="fi-FI" dirty="0" err="1">
+                <a:cs typeface="Arial" panose="020B0604020202020204" pitchFamily="34" charset="0"/>
+                <a:sym typeface="Wingdings" pitchFamily="2" charset="2"/>
+              </a:rPr>
+              <a:t>Whole-genome</a:t>
+            </a:r>
+            <a:r>
+              <a:rPr lang="fi-FI" dirty="0">
+                <a:cs typeface="Arial" panose="020B0604020202020204" pitchFamily="34" charset="0"/>
+                <a:sym typeface="Wingdings" pitchFamily="2" charset="2"/>
+              </a:rPr>
+              <a:t> </a:t>
+            </a:r>
+            <a:r>
+              <a:rPr lang="fi-FI" dirty="0" err="1">
+                <a:cs typeface="Arial" panose="020B0604020202020204" pitchFamily="34" charset="0"/>
+                <a:sym typeface="Wingdings" pitchFamily="2" charset="2"/>
+              </a:rPr>
+              <a:t>sequencing</a:t>
+            </a:r>
+            <a:r>
+              <a:rPr lang="fi-FI" dirty="0">
+                <a:cs typeface="Arial" panose="020B0604020202020204" pitchFamily="34" charset="0"/>
+                <a:sym typeface="Wingdings" pitchFamily="2" charset="2"/>
+              </a:rPr>
+              <a:t> (WGS)</a:t>
+            </a:r>
+            <a:endParaRPr lang="en-FI" dirty="0">
+              <a:cs typeface="Arial" panose="020B0604020202020204" pitchFamily="34" charset="0"/>
+              <a:sym typeface="Wingdings" pitchFamily="2" charset="2"/>
+            </a:endParaRPr>
+          </a:p>
+          <a:p>
+            <a:pPr lvl="1"/>
+            <a:r>
+              <a:rPr lang="en-FI" dirty="0">
+                <a:cs typeface="Arial" panose="020B0604020202020204" pitchFamily="34" charset="0"/>
+                <a:sym typeface="Wingdings" pitchFamily="2" charset="2"/>
+              </a:rPr>
+              <a:t>Metagenomics</a:t>
+            </a:r>
+          </a:p>
+          <a:p>
+            <a:pPr lvl="1"/>
+            <a:r>
+              <a:rPr lang="en-FI" dirty="0">
+                <a:cs typeface="Arial" panose="020B0604020202020204" pitchFamily="34" charset="0"/>
+              </a:rPr>
+              <a:t>Transcriptomics</a:t>
+            </a:r>
+          </a:p>
+        </p:txBody>
+      </p:sp>
+      <p:sp>
+        <p:nvSpPr>
           <p:cNvPr id="4" name="Date Placeholder 3">
             <a:extLst>
               <a:ext uri="{FF2B5EF4-FFF2-40B4-BE49-F238E27FC236}">
-                <a16:creationId xmlns:a16="http://schemas.microsoft.com/office/drawing/2014/main" id="{2D6D74E2-53DD-A212-F354-BB9C58F93E02}"/>
+                <a16:creationId xmlns:a16="http://schemas.microsoft.com/office/drawing/2014/main" id="{B3C933F9-DDAF-6AE2-1E43-F9798C381F0C}"/>
               </a:ext>
             </a:extLst>
           </p:cNvPr>
@@ -7073,7 +7229,7 @@
           <a:bodyPr/>
           <a:lstStyle/>
           <a:p>
-            <a:fld id="{07A4A1CE-A8C9-E942-807B-ECD0C75DD8B0}" type="datetime1">
+            <a:fld id="{A7442A5B-BEF1-6443-813C-9AD1BC3D79CA}" type="datetime1">
               <a:rPr lang="fi-FI" smtClean="0"/>
               <a:t>4.2.2024</a:t>
             </a:fld>
@@ -7086,7 +7242,7 @@
           <p:cNvPr id="5" name="Footer Placeholder 4">
             <a:extLst>
               <a:ext uri="{FF2B5EF4-FFF2-40B4-BE49-F238E27FC236}">
-                <a16:creationId xmlns:a16="http://schemas.microsoft.com/office/drawing/2014/main" id="{70E87E28-056B-8CFB-8394-A2AFAF7AEF71}"/>
+                <a16:creationId xmlns:a16="http://schemas.microsoft.com/office/drawing/2014/main" id="{47C720C4-7E1E-B771-13A2-4C5852BB0D36}"/>
               </a:ext>
             </a:extLst>
           </p:cNvPr>
@@ -7115,7 +7271,7 @@
           <p:cNvPr id="6" name="Slide Number Placeholder 5">
             <a:extLst>
               <a:ext uri="{FF2B5EF4-FFF2-40B4-BE49-F238E27FC236}">
-                <a16:creationId xmlns:a16="http://schemas.microsoft.com/office/drawing/2014/main" id="{489728C5-97E1-BABA-E016-3C8F91BA8FBA}"/>
+                <a16:creationId xmlns:a16="http://schemas.microsoft.com/office/drawing/2014/main" id="{94D9166E-9678-7BF6-F1EE-514CCE040179}"/>
               </a:ext>
             </a:extLst>
           </p:cNvPr>
@@ -7139,10 +7295,89 @@
           </a:p>
         </p:txBody>
       </p:sp>
+      <p:sp>
+        <p:nvSpPr>
+          <p:cNvPr id="11" name="TextBox 10">
+            <a:extLst>
+              <a:ext uri="{FF2B5EF4-FFF2-40B4-BE49-F238E27FC236}">
+                <a16:creationId xmlns:a16="http://schemas.microsoft.com/office/drawing/2014/main" id="{F3FAE227-6157-DFD3-7735-2E7253048A13}"/>
+              </a:ext>
+            </a:extLst>
+          </p:cNvPr>
+          <p:cNvSpPr txBox="1"/>
+          <p:nvPr/>
+        </p:nvSpPr>
+        <p:spPr>
+          <a:xfrm>
+            <a:off x="9407105" y="5320100"/>
+            <a:ext cx="2659702" cy="246221"/>
+          </a:xfrm>
+          <a:prstGeom prst="rect">
+            <a:avLst/>
+          </a:prstGeom>
+          <a:noFill/>
+        </p:spPr>
+        <p:txBody>
+          <a:bodyPr wrap="none" rtlCol="0">
+            <a:spAutoFit/>
+          </a:bodyPr>
+          <a:lstStyle/>
+          <a:p>
+            <a:r>
+              <a:rPr lang="en-GB" sz="1000" b="0" i="0" dirty="0">
+                <a:solidFill>
+                  <a:schemeClr val="bg1">
+                    <a:lumMod val="50000"/>
+                  </a:schemeClr>
+                </a:solidFill>
+                <a:effectLst/>
+                <a:latin typeface="Arial" panose="020B0604020202020204" pitchFamily="34" charset="0"/>
+                <a:cs typeface="Arial" panose="020B0604020202020204" pitchFamily="34" charset="0"/>
+              </a:rPr>
+              <a:t>https://</a:t>
+            </a:r>
+            <a:r>
+              <a:rPr lang="en-GB" sz="1000" b="0" i="0" dirty="0" err="1">
+                <a:solidFill>
+                  <a:schemeClr val="bg1">
+                    <a:lumMod val="50000"/>
+                  </a:schemeClr>
+                </a:solidFill>
+                <a:effectLst/>
+                <a:latin typeface="Arial" panose="020B0604020202020204" pitchFamily="34" charset="0"/>
+                <a:cs typeface="Arial" panose="020B0604020202020204" pitchFamily="34" charset="0"/>
+              </a:rPr>
+              <a:t>doi.org</a:t>
+            </a:r>
+            <a:r>
+              <a:rPr lang="en-GB" sz="1000" b="0" i="0" dirty="0">
+                <a:solidFill>
+                  <a:schemeClr val="bg1">
+                    <a:lumMod val="50000"/>
+                  </a:schemeClr>
+                </a:solidFill>
+                <a:effectLst/>
+                <a:latin typeface="Arial" panose="020B0604020202020204" pitchFamily="34" charset="0"/>
+                <a:cs typeface="Arial" panose="020B0604020202020204" pitchFamily="34" charset="0"/>
+              </a:rPr>
+              <a:t>/10.1038/s41587-021-01108-x</a:t>
+            </a:r>
+            <a:endParaRPr lang="en-FI" sz="1000" dirty="0">
+              <a:solidFill>
+                <a:schemeClr val="bg1">
+                  <a:lumMod val="50000"/>
+                </a:schemeClr>
+              </a:solidFill>
+              <a:latin typeface="Arial" panose="020B0604020202020204" pitchFamily="34" charset="0"/>
+              <a:cs typeface="Arial" panose="020B0604020202020204" pitchFamily="34" charset="0"/>
+            </a:endParaRPr>
+          </a:p>
+        </p:txBody>
+      </p:sp>
     </p:spTree>
     <p:extLst>
       <p:ext uri="{BB962C8B-B14F-4D97-AF65-F5344CB8AC3E}">
-        <p14:creationId xmlns:p14="http://schemas.microsoft.com/office/powerpoint/2010/main" val="3656174549"/>
+        <p14:creationId xmlns:p14="http://schemas.microsoft.com/office/powerpoint/2010/main" val="2701738529"/>
       </p:ext>
     </p:extLst>
   </p:cSld>

--- a/Lectures/Sequencing101.pptx
+++ b/Lectures/Sequencing101.pptx
@@ -5421,8 +5421,8 @@
         </p:blipFill>
         <p:spPr bwMode="auto">
           <a:xfrm>
-            <a:off x="2717496" y="3321366"/>
-            <a:ext cx="6757008" cy="3173213"/>
+            <a:off x="2317014" y="2806990"/>
+            <a:ext cx="7557972" cy="3549360"/>
           </a:xfrm>
           <a:prstGeom prst="rect">
             <a:avLst/>
@@ -5489,22 +5489,8 @@
           <a:lstStyle/>
           <a:p>
             <a:r>
-              <a:rPr lang="en-FI" dirty="0"/>
-              <a:t>Discuss in groups of 4-6</a:t>
-            </a:r>
-          </a:p>
-          <a:p>
-            <a:r>
               <a:rPr lang="en-FI" b="1" dirty="0"/>
-              <a:t>What are the pros and cons (1–3</a:t>
-            </a:r>
-            <a:r>
-              <a:rPr lang="en-FI" b="1"/>
-              <a:t>) of the different </a:t>
-            </a:r>
-            <a:r>
-              <a:rPr lang="en-FI" b="1" dirty="0"/>
-              <a:t>sequencing technologies for whole genome sequencing?</a:t>
+              <a:t>What are the pros and cons (1–3) of the different sequencing technologies for whole genome sequencing?</a:t>
             </a:r>
           </a:p>
         </p:txBody>
@@ -5560,8 +5546,12 @@
           <a:lstStyle/>
           <a:p>
             <a:r>
-              <a:rPr lang="en-GB"/>
-              <a:t>MBDP-105 | Antti Karkman</a:t>
+              <a:rPr lang="en-GB" dirty="0"/>
+              <a:t>MBDP-105 | Antti </a:t>
+            </a:r>
+            <a:r>
+              <a:rPr lang="en-GB" dirty="0" err="1"/>
+              <a:t>Karkman</a:t>
             </a:r>
             <a:endParaRPr lang="en-FI" dirty="0"/>
           </a:p>
